--- a/course/spring_lecture10.pptx
+++ b/course/spring_lecture10.pptx
@@ -391,7 +391,7 @@
           <a:p>
             <a:fld id="{55819C6C-1328-47A7-9531-77311B1A3D98}" type="datetimeFigureOut">
               <a:rPr lang="en-GB" smtClean="0"/>
-              <a:t>26/07/2016</a:t>
+              <a:t>27/07/2016</a:t>
             </a:fld>
             <a:endParaRPr lang="en-GB"/>
           </a:p>
@@ -599,7 +599,7 @@
           <a:p>
             <a:fld id="{55819C6C-1328-47A7-9531-77311B1A3D98}" type="datetimeFigureOut">
               <a:rPr lang="en-GB" smtClean="0"/>
-              <a:t>26/07/2016</a:t>
+              <a:t>27/07/2016</a:t>
             </a:fld>
             <a:endParaRPr lang="en-GB"/>
           </a:p>
@@ -855,7 +855,7 @@
           <a:p>
             <a:fld id="{55819C6C-1328-47A7-9531-77311B1A3D98}" type="datetimeFigureOut">
               <a:rPr lang="en-GB" smtClean="0"/>
-              <a:t>26/07/2016</a:t>
+              <a:t>27/07/2016</a:t>
             </a:fld>
             <a:endParaRPr lang="en-GB"/>
           </a:p>
@@ -1029,7 +1029,7 @@
           <a:p>
             <a:fld id="{55819C6C-1328-47A7-9531-77311B1A3D98}" type="datetimeFigureOut">
               <a:rPr lang="en-GB" smtClean="0"/>
-              <a:t>26/07/2016</a:t>
+              <a:t>27/07/2016</a:t>
             </a:fld>
             <a:endParaRPr lang="en-GB"/>
           </a:p>
@@ -1372,7 +1372,7 @@
           <a:p>
             <a:fld id="{55819C6C-1328-47A7-9531-77311B1A3D98}" type="datetimeFigureOut">
               <a:rPr lang="en-GB" smtClean="0"/>
-              <a:t>26/07/2016</a:t>
+              <a:t>27/07/2016</a:t>
             </a:fld>
             <a:endParaRPr lang="en-GB"/>
           </a:p>
@@ -1647,7 +1647,7 @@
           <a:p>
             <a:fld id="{55819C6C-1328-47A7-9531-77311B1A3D98}" type="datetimeFigureOut">
               <a:rPr lang="en-GB" smtClean="0"/>
-              <a:t>26/07/2016</a:t>
+              <a:t>27/07/2016</a:t>
             </a:fld>
             <a:endParaRPr lang="en-GB"/>
           </a:p>
@@ -2026,7 +2026,7 @@
           <a:p>
             <a:fld id="{55819C6C-1328-47A7-9531-77311B1A3D98}" type="datetimeFigureOut">
               <a:rPr lang="en-GB" smtClean="0"/>
-              <a:t>26/07/2016</a:t>
+              <a:t>27/07/2016</a:t>
             </a:fld>
             <a:endParaRPr lang="en-GB"/>
           </a:p>
@@ -2144,7 +2144,7 @@
           <a:p>
             <a:fld id="{55819C6C-1328-47A7-9531-77311B1A3D98}" type="datetimeFigureOut">
               <a:rPr lang="en-GB" smtClean="0"/>
-              <a:t>26/07/2016</a:t>
+              <a:t>27/07/2016</a:t>
             </a:fld>
             <a:endParaRPr lang="en-GB"/>
           </a:p>
@@ -2315,7 +2315,7 @@
           <a:p>
             <a:fld id="{55819C6C-1328-47A7-9531-77311B1A3D98}" type="datetimeFigureOut">
               <a:rPr lang="en-GB" smtClean="0"/>
-              <a:t>26/07/2016</a:t>
+              <a:t>27/07/2016</a:t>
             </a:fld>
             <a:endParaRPr lang="en-GB"/>
           </a:p>
@@ -2669,7 +2669,7 @@
           <a:p>
             <a:fld id="{55819C6C-1328-47A7-9531-77311B1A3D98}" type="datetimeFigureOut">
               <a:rPr lang="en-GB" smtClean="0"/>
-              <a:t>26/07/2016</a:t>
+              <a:t>27/07/2016</a:t>
             </a:fld>
             <a:endParaRPr lang="en-GB"/>
           </a:p>
@@ -3051,7 +3051,7 @@
           <a:p>
             <a:fld id="{55819C6C-1328-47A7-9531-77311B1A3D98}" type="datetimeFigureOut">
               <a:rPr lang="en-GB" smtClean="0"/>
-              <a:t>26/07/2016</a:t>
+              <a:t>27/07/2016</a:t>
             </a:fld>
             <a:endParaRPr lang="en-GB"/>
           </a:p>
@@ -3338,7 +3338,7 @@
           <a:p>
             <a:fld id="{55819C6C-1328-47A7-9531-77311B1A3D98}" type="datetimeFigureOut">
               <a:rPr lang="en-GB" smtClean="0"/>
-              <a:t>26/07/2016</a:t>
+              <a:t>27/07/2016</a:t>
             </a:fld>
             <a:endParaRPr lang="en-GB"/>
           </a:p>
@@ -3898,7 +3898,7 @@
         </p:nvSpPr>
         <p:spPr>
           <a:xfrm>
-            <a:off x="4263521" y="4305738"/>
+            <a:off x="4274810" y="4271871"/>
             <a:ext cx="3976410" cy="369332"/>
           </a:xfrm>
           <a:prstGeom prst="rect">

--- a/course/spring_lecture10.pptx
+++ b/course/spring_lecture10.pptx
@@ -391,7 +391,7 @@
           <a:p>
             <a:fld id="{55819C6C-1328-47A7-9531-77311B1A3D98}" type="datetimeFigureOut">
               <a:rPr lang="en-GB" smtClean="0"/>
-              <a:t>27/07/2016</a:t>
+              <a:t>28/07/2016</a:t>
             </a:fld>
             <a:endParaRPr lang="en-GB"/>
           </a:p>
@@ -599,7 +599,7 @@
           <a:p>
             <a:fld id="{55819C6C-1328-47A7-9531-77311B1A3D98}" type="datetimeFigureOut">
               <a:rPr lang="en-GB" smtClean="0"/>
-              <a:t>27/07/2016</a:t>
+              <a:t>28/07/2016</a:t>
             </a:fld>
             <a:endParaRPr lang="en-GB"/>
           </a:p>
@@ -855,7 +855,7 @@
           <a:p>
             <a:fld id="{55819C6C-1328-47A7-9531-77311B1A3D98}" type="datetimeFigureOut">
               <a:rPr lang="en-GB" smtClean="0"/>
-              <a:t>27/07/2016</a:t>
+              <a:t>28/07/2016</a:t>
             </a:fld>
             <a:endParaRPr lang="en-GB"/>
           </a:p>
@@ -1029,7 +1029,7 @@
           <a:p>
             <a:fld id="{55819C6C-1328-47A7-9531-77311B1A3D98}" type="datetimeFigureOut">
               <a:rPr lang="en-GB" smtClean="0"/>
-              <a:t>27/07/2016</a:t>
+              <a:t>28/07/2016</a:t>
             </a:fld>
             <a:endParaRPr lang="en-GB"/>
           </a:p>
@@ -1372,7 +1372,7 @@
           <a:p>
             <a:fld id="{55819C6C-1328-47A7-9531-77311B1A3D98}" type="datetimeFigureOut">
               <a:rPr lang="en-GB" smtClean="0"/>
-              <a:t>27/07/2016</a:t>
+              <a:t>28/07/2016</a:t>
             </a:fld>
             <a:endParaRPr lang="en-GB"/>
           </a:p>
@@ -1647,7 +1647,7 @@
           <a:p>
             <a:fld id="{55819C6C-1328-47A7-9531-77311B1A3D98}" type="datetimeFigureOut">
               <a:rPr lang="en-GB" smtClean="0"/>
-              <a:t>27/07/2016</a:t>
+              <a:t>28/07/2016</a:t>
             </a:fld>
             <a:endParaRPr lang="en-GB"/>
           </a:p>
@@ -2026,7 +2026,7 @@
           <a:p>
             <a:fld id="{55819C6C-1328-47A7-9531-77311B1A3D98}" type="datetimeFigureOut">
               <a:rPr lang="en-GB" smtClean="0"/>
-              <a:t>27/07/2016</a:t>
+              <a:t>28/07/2016</a:t>
             </a:fld>
             <a:endParaRPr lang="en-GB"/>
           </a:p>
@@ -2144,7 +2144,7 @@
           <a:p>
             <a:fld id="{55819C6C-1328-47A7-9531-77311B1A3D98}" type="datetimeFigureOut">
               <a:rPr lang="en-GB" smtClean="0"/>
-              <a:t>27/07/2016</a:t>
+              <a:t>28/07/2016</a:t>
             </a:fld>
             <a:endParaRPr lang="en-GB"/>
           </a:p>
@@ -2315,7 +2315,7 @@
           <a:p>
             <a:fld id="{55819C6C-1328-47A7-9531-77311B1A3D98}" type="datetimeFigureOut">
               <a:rPr lang="en-GB" smtClean="0"/>
-              <a:t>27/07/2016</a:t>
+              <a:t>28/07/2016</a:t>
             </a:fld>
             <a:endParaRPr lang="en-GB"/>
           </a:p>
@@ -2669,7 +2669,7 @@
           <a:p>
             <a:fld id="{55819C6C-1328-47A7-9531-77311B1A3D98}" type="datetimeFigureOut">
               <a:rPr lang="en-GB" smtClean="0"/>
-              <a:t>27/07/2016</a:t>
+              <a:t>28/07/2016</a:t>
             </a:fld>
             <a:endParaRPr lang="en-GB"/>
           </a:p>
@@ -3051,7 +3051,7 @@
           <a:p>
             <a:fld id="{55819C6C-1328-47A7-9531-77311B1A3D98}" type="datetimeFigureOut">
               <a:rPr lang="en-GB" smtClean="0"/>
-              <a:t>27/07/2016</a:t>
+              <a:t>28/07/2016</a:t>
             </a:fld>
             <a:endParaRPr lang="en-GB"/>
           </a:p>
@@ -3338,7 +3338,7 @@
           <a:p>
             <a:fld id="{55819C6C-1328-47A7-9531-77311B1A3D98}" type="datetimeFigureOut">
               <a:rPr lang="en-GB" smtClean="0"/>
-              <a:t>27/07/2016</a:t>
+              <a:t>28/07/2016</a:t>
             </a:fld>
             <a:endParaRPr lang="en-GB"/>
           </a:p>
